--- a/이젠필름 PPT.pptx
+++ b/이젠필름 PPT.pptx
@@ -11,10 +11,7 @@
     <p:sldId id="263" r:id="rId5"/>
     <p:sldId id="264" r:id="rId6"/>
     <p:sldId id="265" r:id="rId7"/>
-    <p:sldId id="258" r:id="rId8"/>
-    <p:sldId id="259" r:id="rId9"/>
-    <p:sldId id="260" r:id="rId10"/>
-    <p:sldId id="261" r:id="rId11"/>
+    <p:sldId id="261" r:id="rId8"/>
   </p:sldIdLst>
   <p:sldSz cx="12192000" cy="6858000"/>
   <p:notesSz cx="6858000" cy="9144000"/>
@@ -268,7 +265,7 @@
           <a:p>
             <a:fld id="{AB5E389B-A454-4AC1-AFB3-FF35EBA8AC1F}" type="datetimeFigureOut">
               <a:rPr lang="ko-KR" altLang="en-US" smtClean="0"/>
-              <a:t>2022-11-16</a:t>
+              <a:t>2023-03-15</a:t>
             </a:fld>
             <a:endParaRPr lang="ko-KR" altLang="en-US"/>
           </a:p>
@@ -466,7 +463,7 @@
           <a:p>
             <a:fld id="{AB5E389B-A454-4AC1-AFB3-FF35EBA8AC1F}" type="datetimeFigureOut">
               <a:rPr lang="ko-KR" altLang="en-US" smtClean="0"/>
-              <a:t>2022-11-16</a:t>
+              <a:t>2023-03-15</a:t>
             </a:fld>
             <a:endParaRPr lang="ko-KR" altLang="en-US"/>
           </a:p>
@@ -674,7 +671,7 @@
           <a:p>
             <a:fld id="{AB5E389B-A454-4AC1-AFB3-FF35EBA8AC1F}" type="datetimeFigureOut">
               <a:rPr lang="ko-KR" altLang="en-US" smtClean="0"/>
-              <a:t>2022-11-16</a:t>
+              <a:t>2023-03-15</a:t>
             </a:fld>
             <a:endParaRPr lang="ko-KR" altLang="en-US"/>
           </a:p>
@@ -872,7 +869,7 @@
           <a:p>
             <a:fld id="{AB5E389B-A454-4AC1-AFB3-FF35EBA8AC1F}" type="datetimeFigureOut">
               <a:rPr lang="ko-KR" altLang="en-US" smtClean="0"/>
-              <a:t>2022-11-16</a:t>
+              <a:t>2023-03-15</a:t>
             </a:fld>
             <a:endParaRPr lang="ko-KR" altLang="en-US"/>
           </a:p>
@@ -1147,7 +1144,7 @@
           <a:p>
             <a:fld id="{AB5E389B-A454-4AC1-AFB3-FF35EBA8AC1F}" type="datetimeFigureOut">
               <a:rPr lang="ko-KR" altLang="en-US" smtClean="0"/>
-              <a:t>2022-11-16</a:t>
+              <a:t>2023-03-15</a:t>
             </a:fld>
             <a:endParaRPr lang="ko-KR" altLang="en-US"/>
           </a:p>
@@ -1412,7 +1409,7 @@
           <a:p>
             <a:fld id="{AB5E389B-A454-4AC1-AFB3-FF35EBA8AC1F}" type="datetimeFigureOut">
               <a:rPr lang="ko-KR" altLang="en-US" smtClean="0"/>
-              <a:t>2022-11-16</a:t>
+              <a:t>2023-03-15</a:t>
             </a:fld>
             <a:endParaRPr lang="ko-KR" altLang="en-US"/>
           </a:p>
@@ -1824,7 +1821,7 @@
           <a:p>
             <a:fld id="{AB5E389B-A454-4AC1-AFB3-FF35EBA8AC1F}" type="datetimeFigureOut">
               <a:rPr lang="ko-KR" altLang="en-US" smtClean="0"/>
-              <a:t>2022-11-16</a:t>
+              <a:t>2023-03-15</a:t>
             </a:fld>
             <a:endParaRPr lang="ko-KR" altLang="en-US"/>
           </a:p>
@@ -1965,7 +1962,7 @@
           <a:p>
             <a:fld id="{AB5E389B-A454-4AC1-AFB3-FF35EBA8AC1F}" type="datetimeFigureOut">
               <a:rPr lang="ko-KR" altLang="en-US" smtClean="0"/>
-              <a:t>2022-11-16</a:t>
+              <a:t>2023-03-15</a:t>
             </a:fld>
             <a:endParaRPr lang="ko-KR" altLang="en-US"/>
           </a:p>
@@ -2078,7 +2075,7 @@
           <a:p>
             <a:fld id="{AB5E389B-A454-4AC1-AFB3-FF35EBA8AC1F}" type="datetimeFigureOut">
               <a:rPr lang="ko-KR" altLang="en-US" smtClean="0"/>
-              <a:t>2022-11-16</a:t>
+              <a:t>2023-03-15</a:t>
             </a:fld>
             <a:endParaRPr lang="ko-KR" altLang="en-US"/>
           </a:p>
@@ -2389,7 +2386,7 @@
           <a:p>
             <a:fld id="{AB5E389B-A454-4AC1-AFB3-FF35EBA8AC1F}" type="datetimeFigureOut">
               <a:rPr lang="ko-KR" altLang="en-US" smtClean="0"/>
-              <a:t>2022-11-16</a:t>
+              <a:t>2023-03-15</a:t>
             </a:fld>
             <a:endParaRPr lang="ko-KR" altLang="en-US"/>
           </a:p>
@@ -2677,7 +2674,7 @@
           <a:p>
             <a:fld id="{AB5E389B-A454-4AC1-AFB3-FF35EBA8AC1F}" type="datetimeFigureOut">
               <a:rPr lang="ko-KR" altLang="en-US" smtClean="0"/>
-              <a:t>2022-11-16</a:t>
+              <a:t>2023-03-15</a:t>
             </a:fld>
             <a:endParaRPr lang="ko-KR" altLang="en-US"/>
           </a:p>
@@ -2918,7 +2915,7 @@
           <a:p>
             <a:fld id="{AB5E389B-A454-4AC1-AFB3-FF35EBA8AC1F}" type="datetimeFigureOut">
               <a:rPr lang="ko-KR" altLang="en-US" smtClean="0"/>
-              <a:t>2022-11-16</a:t>
+              <a:t>2023-03-15</a:t>
             </a:fld>
             <a:endParaRPr lang="ko-KR" altLang="en-US"/>
           </a:p>
@@ -3591,86 +3588,6 @@
 </p:sld>
 </file>
 
-<file path=ppt/slides/slide10.xml><?xml version="1.0" encoding="utf-8"?>
-<p:sld xmlns:a="http://schemas.openxmlformats.org/drawingml/2006/main" xmlns:r="http://schemas.openxmlformats.org/officeDocument/2006/relationships" xmlns:p="http://schemas.openxmlformats.org/presentationml/2006/main">
-  <p:cSld>
-    <p:bg>
-      <p:bgPr>
-        <a:solidFill>
-          <a:srgbClr val="181313"/>
-        </a:solidFill>
-        <a:effectLst/>
-      </p:bgPr>
-    </p:bg>
-    <p:spTree>
-      <p:nvGrpSpPr>
-        <p:cNvPr id="1" name=""/>
-        <p:cNvGrpSpPr/>
-        <p:nvPr/>
-      </p:nvGrpSpPr>
-      <p:grpSpPr>
-        <a:xfrm>
-          <a:off x="0" y="0"/>
-          <a:ext cx="0" cy="0"/>
-          <a:chOff x="0" y="0"/>
-          <a:chExt cx="0" cy="0"/>
-        </a:xfrm>
-      </p:grpSpPr>
-      <p:sp>
-        <p:nvSpPr>
-          <p:cNvPr id="5" name="TextBox 4">
-            <a:extLst>
-              <a:ext uri="{FF2B5EF4-FFF2-40B4-BE49-F238E27FC236}">
-                <a16:creationId xmlns:a16="http://schemas.microsoft.com/office/drawing/2014/main" id="{1B8466C3-7F15-F008-C089-9D640E1B84CB}"/>
-              </a:ext>
-            </a:extLst>
-          </p:cNvPr>
-          <p:cNvSpPr txBox="1"/>
-          <p:nvPr/>
-        </p:nvSpPr>
-        <p:spPr>
-          <a:xfrm>
-            <a:off x="4637108" y="3044279"/>
-            <a:ext cx="2917786" cy="769441"/>
-          </a:xfrm>
-          <a:prstGeom prst="rect">
-            <a:avLst/>
-          </a:prstGeom>
-          <a:noFill/>
-        </p:spPr>
-        <p:txBody>
-          <a:bodyPr wrap="none" rtlCol="0">
-            <a:spAutoFit/>
-          </a:bodyPr>
-          <a:lstStyle/>
-          <a:p>
-            <a:pPr algn="ctr"/>
-            <a:r>
-              <a:rPr lang="ko-KR" altLang="en-US" sz="4400" dirty="0">
-                <a:solidFill>
-                  <a:srgbClr val="FFFFFF"/>
-                </a:solidFill>
-                <a:latin typeface="Leferi Base Type Regular" panose="020B0503000000000000" pitchFamily="50" charset="-127"/>
-                <a:ea typeface="Leferi Base Type Regular" panose="020B0503000000000000" pitchFamily="50" charset="-127"/>
-              </a:rPr>
-              <a:t>감사합니다</a:t>
-            </a:r>
-          </a:p>
-        </p:txBody>
-      </p:sp>
-    </p:spTree>
-    <p:extLst>
-      <p:ext uri="{BB962C8B-B14F-4D97-AF65-F5344CB8AC3E}">
-        <p14:creationId xmlns:p14="http://schemas.microsoft.com/office/powerpoint/2010/main" val="499833339"/>
-      </p:ext>
-    </p:extLst>
-  </p:cSld>
-  <p:clrMapOvr>
-    <a:masterClrMapping/>
-  </p:clrMapOvr>
-</p:sld>
-</file>
-
 <file path=ppt/slides/slide2.xml><?xml version="1.0" encoding="utf-8"?>
 <p:sld xmlns:a="http://schemas.openxmlformats.org/drawingml/2006/main" xmlns:r="http://schemas.openxmlformats.org/officeDocument/2006/relationships" xmlns:p="http://schemas.openxmlformats.org/presentationml/2006/main">
   <p:cSld>
@@ -5109,7 +5026,7 @@
           <p:cNvPr id="5" name="TextBox 4">
             <a:extLst>
               <a:ext uri="{FF2B5EF4-FFF2-40B4-BE49-F238E27FC236}">
-                <a16:creationId xmlns:a16="http://schemas.microsoft.com/office/drawing/2014/main" id="{9C0678AB-B147-FBDD-787A-27FD2D06F990}"/>
+                <a16:creationId xmlns:a16="http://schemas.microsoft.com/office/drawing/2014/main" id="{1B8466C3-7F15-F008-C089-9D640E1B84CB}"/>
               </a:ext>
             </a:extLst>
           </p:cNvPr>
@@ -5118,8 +5035,8 @@
         </p:nvSpPr>
         <p:spPr>
           <a:xfrm>
-            <a:off x="5183730" y="3044279"/>
-            <a:ext cx="1824538" cy="769441"/>
+            <a:off x="4637108" y="3044279"/>
+            <a:ext cx="2917786" cy="769441"/>
           </a:xfrm>
           <a:prstGeom prst="rect">
             <a:avLst/>
@@ -5141,7 +5058,7 @@
                 <a:latin typeface="Leferi Base Type Regular" panose="020B0503000000000000" pitchFamily="50" charset="-127"/>
                 <a:ea typeface="Leferi Base Type Regular" panose="020B0503000000000000" pitchFamily="50" charset="-127"/>
               </a:rPr>
-              <a:t>페이지</a:t>
+              <a:t>감사합니다</a:t>
             </a:r>
           </a:p>
         </p:txBody>
@@ -5149,174 +5066,7 @@
     </p:spTree>
     <p:extLst>
       <p:ext uri="{BB962C8B-B14F-4D97-AF65-F5344CB8AC3E}">
-        <p14:creationId xmlns:p14="http://schemas.microsoft.com/office/powerpoint/2010/main" val="2347072330"/>
-      </p:ext>
-    </p:extLst>
-  </p:cSld>
-  <p:clrMapOvr>
-    <a:masterClrMapping/>
-  </p:clrMapOvr>
-</p:sld>
-</file>
-
-<file path=ppt/slides/slide8.xml><?xml version="1.0" encoding="utf-8"?>
-<p:sld xmlns:a="http://schemas.openxmlformats.org/drawingml/2006/main" xmlns:r="http://schemas.openxmlformats.org/officeDocument/2006/relationships" xmlns:p="http://schemas.openxmlformats.org/presentationml/2006/main">
-  <p:cSld>
-    <p:bg>
-      <p:bgPr>
-        <a:solidFill>
-          <a:srgbClr val="181313"/>
-        </a:solidFill>
-        <a:effectLst/>
-      </p:bgPr>
-    </p:bg>
-    <p:spTree>
-      <p:nvGrpSpPr>
-        <p:cNvPr id="1" name=""/>
-        <p:cNvGrpSpPr/>
-        <p:nvPr/>
-      </p:nvGrpSpPr>
-      <p:grpSpPr>
-        <a:xfrm>
-          <a:off x="0" y="0"/>
-          <a:ext cx="0" cy="0"/>
-          <a:chOff x="0" y="0"/>
-          <a:chExt cx="0" cy="0"/>
-        </a:xfrm>
-      </p:grpSpPr>
-      <p:sp>
-        <p:nvSpPr>
-          <p:cNvPr id="5" name="TextBox 4">
-            <a:extLst>
-              <a:ext uri="{FF2B5EF4-FFF2-40B4-BE49-F238E27FC236}">
-                <a16:creationId xmlns:a16="http://schemas.microsoft.com/office/drawing/2014/main" id="{1B3D1F5D-FF43-8ED7-D54E-590F6C1F7C23}"/>
-              </a:ext>
-            </a:extLst>
-          </p:cNvPr>
-          <p:cNvSpPr txBox="1"/>
-          <p:nvPr/>
-        </p:nvSpPr>
-        <p:spPr>
-          <a:xfrm>
-            <a:off x="3042119" y="3044279"/>
-            <a:ext cx="6107762" cy="769441"/>
-          </a:xfrm>
-          <a:prstGeom prst="rect">
-            <a:avLst/>
-          </a:prstGeom>
-          <a:noFill/>
-        </p:spPr>
-        <p:txBody>
-          <a:bodyPr wrap="none" rtlCol="0">
-            <a:spAutoFit/>
-          </a:bodyPr>
-          <a:lstStyle/>
-          <a:p>
-            <a:pPr algn="ctr"/>
-            <a:r>
-              <a:rPr lang="ko-KR" altLang="en-US" sz="4400" dirty="0">
-                <a:solidFill>
-                  <a:srgbClr val="FFFFFF"/>
-                </a:solidFill>
-                <a:latin typeface="Leferi Base Type Regular" panose="020B0503000000000000" pitchFamily="50" charset="-127"/>
-                <a:ea typeface="Leferi Base Type Regular" panose="020B0503000000000000" pitchFamily="50" charset="-127"/>
-              </a:rPr>
-              <a:t>프로젝트를 하며 느낀 점</a:t>
-            </a:r>
-          </a:p>
-        </p:txBody>
-      </p:sp>
-    </p:spTree>
-    <p:extLst>
-      <p:ext uri="{BB962C8B-B14F-4D97-AF65-F5344CB8AC3E}">
-        <p14:creationId xmlns:p14="http://schemas.microsoft.com/office/powerpoint/2010/main" val="3686165252"/>
-      </p:ext>
-    </p:extLst>
-  </p:cSld>
-  <p:clrMapOvr>
-    <a:masterClrMapping/>
-  </p:clrMapOvr>
-</p:sld>
-</file>
-
-<file path=ppt/slides/slide9.xml><?xml version="1.0" encoding="utf-8"?>
-<p:sld xmlns:a="http://schemas.openxmlformats.org/drawingml/2006/main" xmlns:r="http://schemas.openxmlformats.org/officeDocument/2006/relationships" xmlns:p="http://schemas.openxmlformats.org/presentationml/2006/main">
-  <p:cSld>
-    <p:bg>
-      <p:bgPr>
-        <a:solidFill>
-          <a:srgbClr val="181313"/>
-        </a:solidFill>
-        <a:effectLst/>
-      </p:bgPr>
-    </p:bg>
-    <p:spTree>
-      <p:nvGrpSpPr>
-        <p:cNvPr id="1" name=""/>
-        <p:cNvGrpSpPr/>
-        <p:nvPr/>
-      </p:nvGrpSpPr>
-      <p:grpSpPr>
-        <a:xfrm>
-          <a:off x="0" y="0"/>
-          <a:ext cx="0" cy="0"/>
-          <a:chOff x="0" y="0"/>
-          <a:chExt cx="0" cy="0"/>
-        </a:xfrm>
-      </p:grpSpPr>
-      <p:sp>
-        <p:nvSpPr>
-          <p:cNvPr id="4" name="TextBox 3">
-            <a:extLst>
-              <a:ext uri="{FF2B5EF4-FFF2-40B4-BE49-F238E27FC236}">
-                <a16:creationId xmlns:a16="http://schemas.microsoft.com/office/drawing/2014/main" id="{892380B3-B01F-9193-6A83-816BF17C7817}"/>
-              </a:ext>
-            </a:extLst>
-          </p:cNvPr>
-          <p:cNvSpPr txBox="1"/>
-          <p:nvPr/>
-        </p:nvSpPr>
-        <p:spPr>
-          <a:xfrm>
-            <a:off x="5364870" y="3044279"/>
-            <a:ext cx="1462260" cy="769441"/>
-          </a:xfrm>
-          <a:prstGeom prst="rect">
-            <a:avLst/>
-          </a:prstGeom>
-          <a:noFill/>
-        </p:spPr>
-        <p:txBody>
-          <a:bodyPr wrap="none" rtlCol="0">
-            <a:spAutoFit/>
-          </a:bodyPr>
-          <a:lstStyle/>
-          <a:p>
-            <a:pPr algn="ctr"/>
-            <a:r>
-              <a:rPr lang="en-US" altLang="ko-KR" sz="4400" dirty="0">
-                <a:solidFill>
-                  <a:srgbClr val="FFFFFF"/>
-                </a:solidFill>
-                <a:latin typeface="Leferi Base Type Regular" panose="020B0503000000000000" pitchFamily="50" charset="-127"/>
-                <a:ea typeface="Leferi Base Type Regular" panose="020B0503000000000000" pitchFamily="50" charset="-127"/>
-              </a:rPr>
-              <a:t>Q&amp;A</a:t>
-            </a:r>
-            <a:endParaRPr lang="ko-KR" altLang="en-US" sz="4400" dirty="0">
-              <a:solidFill>
-                <a:srgbClr val="FFFFFF"/>
-              </a:solidFill>
-              <a:latin typeface="Leferi Base Type Regular" panose="020B0503000000000000" pitchFamily="50" charset="-127"/>
-              <a:ea typeface="Leferi Base Type Regular" panose="020B0503000000000000" pitchFamily="50" charset="-127"/>
-            </a:endParaRPr>
-          </a:p>
-        </p:txBody>
-      </p:sp>
-    </p:spTree>
-    <p:extLst>
-      <p:ext uri="{BB962C8B-B14F-4D97-AF65-F5344CB8AC3E}">
-        <p14:creationId xmlns:p14="http://schemas.microsoft.com/office/powerpoint/2010/main" val="3794480338"/>
+        <p14:creationId xmlns:p14="http://schemas.microsoft.com/office/powerpoint/2010/main" val="499833339"/>
       </p:ext>
     </p:extLst>
   </p:cSld>
